--- a/Topic Choices.pptx
+++ b/Topic Choices.pptx
@@ -105,7 +105,208 @@
       </a:defRPr>
     </a:lvl9pPr>
   </p:defaultTextStyle>
+  <p:extLst>
+    <p:ext uri="{EFAFB233-063F-42B5-8137-9DF3F51BA10A}">
+      <p15:sldGuideLst xmlns:p15="http://schemas.microsoft.com/office/powerpoint/2012/main"/>
+    </p:ext>
+  </p:extLst>
 </p:presentation>
+</file>
+
+<file path=ppt/revisionInfo.xml><?xml version="1.0" encoding="utf-8"?>
+<p1510:revInfo xmlns:a="http://schemas.openxmlformats.org/drawingml/2006/main" xmlns:r="http://schemas.openxmlformats.org/officeDocument/2006/relationships" xmlns:p1510="http://schemas.microsoft.com/office/powerpoint/2015/10/main">
+  <p1510:revLst>
+    <p1510:client id="{5B55E4B6-02A1-4419-AA33-2D70E40BA13A}" v="66" dt="2025-03-27T09:49:06.380"/>
+  </p1510:revLst>
+</p1510:revInfo>
+</file>
+
+<file path=ppt/changesInfos/changesInfo1.xml><?xml version="1.0" encoding="utf-8"?>
+<pc:chgInfo xmlns:a="http://schemas.openxmlformats.org/drawingml/2006/main" xmlns:r="http://schemas.openxmlformats.org/officeDocument/2006/relationships" xmlns:ac="http://schemas.microsoft.com/office/drawing/2013/main/command" xmlns:pc="http://schemas.microsoft.com/office/powerpoint/2013/main/command">
+  <pc:docChgLst>
+    <pc:chgData name="Wilusz,Carol" userId="d694680c-20a6-4aaf-9f5d-eff87bc6dadd" providerId="ADAL" clId="{5B55E4B6-02A1-4419-AA33-2D70E40BA13A}"/>
+    <pc:docChg chg="undo custSel modSld">
+      <pc:chgData name="Wilusz,Carol" userId="d694680c-20a6-4aaf-9f5d-eff87bc6dadd" providerId="ADAL" clId="{5B55E4B6-02A1-4419-AA33-2D70E40BA13A}" dt="2025-03-27T09:49:06.380" v="69" actId="478"/>
+      <pc:docMkLst>
+        <pc:docMk/>
+      </pc:docMkLst>
+      <pc:sldChg chg="addSp delSp modSp mod">
+        <pc:chgData name="Wilusz,Carol" userId="d694680c-20a6-4aaf-9f5d-eff87bc6dadd" providerId="ADAL" clId="{5B55E4B6-02A1-4419-AA33-2D70E40BA13A}" dt="2025-03-27T09:49:02.271" v="60" actId="478"/>
+        <pc:sldMkLst>
+          <pc:docMk/>
+          <pc:sldMk cId="3451639722" sldId="256"/>
+        </pc:sldMkLst>
+        <pc:picChg chg="add del">
+          <ac:chgData name="Wilusz,Carol" userId="d694680c-20a6-4aaf-9f5d-eff87bc6dadd" providerId="ADAL" clId="{5B55E4B6-02A1-4419-AA33-2D70E40BA13A}" dt="2025-03-27T09:49:02.271" v="60" actId="478"/>
+          <ac:picMkLst>
+            <pc:docMk/>
+            <pc:sldMk cId="3451639722" sldId="256"/>
+            <ac:picMk id="6" creationId="{C5643437-AC56-DD4D-EF73-8195160D0394}"/>
+          </ac:picMkLst>
+        </pc:picChg>
+        <pc:picChg chg="add del">
+          <ac:chgData name="Wilusz,Carol" userId="d694680c-20a6-4aaf-9f5d-eff87bc6dadd" providerId="ADAL" clId="{5B55E4B6-02A1-4419-AA33-2D70E40BA13A}" dt="2025-03-27T09:49:00.609" v="55" actId="478"/>
+          <ac:picMkLst>
+            <pc:docMk/>
+            <pc:sldMk cId="3451639722" sldId="256"/>
+            <ac:picMk id="24" creationId="{37B79EEA-FC48-DC4E-3543-33EDED36AB30}"/>
+          </ac:picMkLst>
+        </pc:picChg>
+        <pc:picChg chg="add mod">
+          <ac:chgData name="Wilusz,Carol" userId="d694680c-20a6-4aaf-9f5d-eff87bc6dadd" providerId="ADAL" clId="{5B55E4B6-02A1-4419-AA33-2D70E40BA13A}" dt="2025-03-27T09:49:01.816" v="59" actId="14100"/>
+          <ac:picMkLst>
+            <pc:docMk/>
+            <pc:sldMk cId="3451639722" sldId="256"/>
+            <ac:picMk id="2050" creationId="{3B8229A8-59EE-C231-845E-751C2782E0B4}"/>
+          </ac:picMkLst>
+        </pc:picChg>
+        <pc:picChg chg="add mod">
+          <ac:chgData name="Wilusz,Carol" userId="d694680c-20a6-4aaf-9f5d-eff87bc6dadd" providerId="ADAL" clId="{5B55E4B6-02A1-4419-AA33-2D70E40BA13A}" dt="2025-03-27T09:49:00.202" v="54" actId="1076"/>
+          <ac:picMkLst>
+            <pc:docMk/>
+            <pc:sldMk cId="3451639722" sldId="256"/>
+            <ac:picMk id="2052" creationId="{06B08F7E-3390-5CB1-9898-DC4AB9DB87F4}"/>
+          </ac:picMkLst>
+        </pc:picChg>
+      </pc:sldChg>
+      <pc:sldChg chg="addSp delSp modSp mod">
+        <pc:chgData name="Wilusz,Carol" userId="d694680c-20a6-4aaf-9f5d-eff87bc6dadd" providerId="ADAL" clId="{5B55E4B6-02A1-4419-AA33-2D70E40BA13A}" dt="2025-03-27T09:49:06.380" v="69" actId="478"/>
+        <pc:sldMkLst>
+          <pc:docMk/>
+          <pc:sldMk cId="1684002505" sldId="257"/>
+        </pc:sldMkLst>
+        <pc:picChg chg="add mod">
+          <ac:chgData name="Wilusz,Carol" userId="d694680c-20a6-4aaf-9f5d-eff87bc6dadd" providerId="ADAL" clId="{5B55E4B6-02A1-4419-AA33-2D70E40BA13A}" dt="2025-03-27T09:45:44.022" v="3" actId="1076"/>
+          <ac:picMkLst>
+            <pc:docMk/>
+            <pc:sldMk cId="1684002505" sldId="257"/>
+            <ac:picMk id="3" creationId="{25A587F2-840F-421C-DA35-D1ED88D771E5}"/>
+          </ac:picMkLst>
+        </pc:picChg>
+        <pc:picChg chg="add mod">
+          <ac:chgData name="Wilusz,Carol" userId="d694680c-20a6-4aaf-9f5d-eff87bc6dadd" providerId="ADAL" clId="{5B55E4B6-02A1-4419-AA33-2D70E40BA13A}" dt="2025-03-27T09:46:03.699" v="8" actId="1076"/>
+          <ac:picMkLst>
+            <pc:docMk/>
+            <pc:sldMk cId="1684002505" sldId="257"/>
+            <ac:picMk id="6" creationId="{05AD40EB-2670-E3EE-2725-905FC89354B8}"/>
+          </ac:picMkLst>
+        </pc:picChg>
+        <pc:picChg chg="add mod">
+          <ac:chgData name="Wilusz,Carol" userId="d694680c-20a6-4aaf-9f5d-eff87bc6dadd" providerId="ADAL" clId="{5B55E4B6-02A1-4419-AA33-2D70E40BA13A}" dt="2025-03-27T09:46:55.783" v="20" actId="1076"/>
+          <ac:picMkLst>
+            <pc:docMk/>
+            <pc:sldMk cId="1684002505" sldId="257"/>
+            <ac:picMk id="7" creationId="{73CEA536-24DA-8021-2E1A-688DC3DF84A8}"/>
+          </ac:picMkLst>
+        </pc:picChg>
+        <pc:picChg chg="add mod">
+          <ac:chgData name="Wilusz,Carol" userId="d694680c-20a6-4aaf-9f5d-eff87bc6dadd" providerId="ADAL" clId="{5B55E4B6-02A1-4419-AA33-2D70E40BA13A}" dt="2025-03-27T09:47:14.128" v="26" actId="1076"/>
+          <ac:picMkLst>
+            <pc:docMk/>
+            <pc:sldMk cId="1684002505" sldId="257"/>
+            <ac:picMk id="8" creationId="{8F152FF4-D891-95F9-274E-E97ED9938135}"/>
+          </ac:picMkLst>
+        </pc:picChg>
+        <pc:picChg chg="del">
+          <ac:chgData name="Wilusz,Carol" userId="d694680c-20a6-4aaf-9f5d-eff87bc6dadd" providerId="ADAL" clId="{5B55E4B6-02A1-4419-AA33-2D70E40BA13A}" dt="2025-03-27T09:45:55.244" v="4" actId="478"/>
+          <ac:picMkLst>
+            <pc:docMk/>
+            <pc:sldMk cId="1684002505" sldId="257"/>
+            <ac:picMk id="9" creationId="{338530BA-5DCA-ED8C-00F9-1AAB07444255}"/>
+          </ac:picMkLst>
+        </pc:picChg>
+        <pc:picChg chg="add mod">
+          <ac:chgData name="Wilusz,Carol" userId="d694680c-20a6-4aaf-9f5d-eff87bc6dadd" providerId="ADAL" clId="{5B55E4B6-02A1-4419-AA33-2D70E40BA13A}" dt="2025-03-27T09:49:05.751" v="68" actId="14100"/>
+          <ac:picMkLst>
+            <pc:docMk/>
+            <pc:sldMk cId="1684002505" sldId="257"/>
+            <ac:picMk id="10" creationId="{B2BF93B5-5722-3187-C9A4-31B855E8589B}"/>
+          </ac:picMkLst>
+        </pc:picChg>
+        <pc:picChg chg="del">
+          <ac:chgData name="Wilusz,Carol" userId="d694680c-20a6-4aaf-9f5d-eff87bc6dadd" providerId="ADAL" clId="{5B55E4B6-02A1-4419-AA33-2D70E40BA13A}" dt="2025-03-27T09:45:33.930" v="0" actId="478"/>
+          <ac:picMkLst>
+            <pc:docMk/>
+            <pc:sldMk cId="1684002505" sldId="257"/>
+            <ac:picMk id="13" creationId="{01BF7A81-D623-B3D7-738C-181643524789}"/>
+          </ac:picMkLst>
+        </pc:picChg>
+        <pc:picChg chg="del">
+          <ac:chgData name="Wilusz,Carol" userId="d694680c-20a6-4aaf-9f5d-eff87bc6dadd" providerId="ADAL" clId="{5B55E4B6-02A1-4419-AA33-2D70E40BA13A}" dt="2025-03-27T09:46:27.570" v="11" actId="478"/>
+          <ac:picMkLst>
+            <pc:docMk/>
+            <pc:sldMk cId="1684002505" sldId="257"/>
+            <ac:picMk id="15" creationId="{3A285DA6-7843-AA42-29D5-BF54CB0223AD}"/>
+          </ac:picMkLst>
+        </pc:picChg>
+        <pc:picChg chg="del">
+          <ac:chgData name="Wilusz,Carol" userId="d694680c-20a6-4aaf-9f5d-eff87bc6dadd" providerId="ADAL" clId="{5B55E4B6-02A1-4419-AA33-2D70E40BA13A}" dt="2025-03-27T09:46:45.350" v="15" actId="478"/>
+          <ac:picMkLst>
+            <pc:docMk/>
+            <pc:sldMk cId="1684002505" sldId="257"/>
+            <ac:picMk id="17" creationId="{E9635EC8-8DF8-E765-92D2-2FDC113D0A33}"/>
+          </ac:picMkLst>
+        </pc:picChg>
+        <pc:picChg chg="del">
+          <ac:chgData name="Wilusz,Carol" userId="d694680c-20a6-4aaf-9f5d-eff87bc6dadd" providerId="ADAL" clId="{5B55E4B6-02A1-4419-AA33-2D70E40BA13A}" dt="2025-03-27T09:47:22.997" v="27" actId="478"/>
+          <ac:picMkLst>
+            <pc:docMk/>
+            <pc:sldMk cId="1684002505" sldId="257"/>
+            <ac:picMk id="1026" creationId="{E50A152D-A16A-7395-A669-05AE634A09B1}"/>
+          </ac:picMkLst>
+        </pc:picChg>
+        <pc:picChg chg="add del">
+          <ac:chgData name="Wilusz,Carol" userId="d694680c-20a6-4aaf-9f5d-eff87bc6dadd" providerId="ADAL" clId="{5B55E4B6-02A1-4419-AA33-2D70E40BA13A}" dt="2025-03-27T09:49:04.119" v="63" actId="478"/>
+          <ac:picMkLst>
+            <pc:docMk/>
+            <pc:sldMk cId="1684002505" sldId="257"/>
+            <ac:picMk id="1028" creationId="{7E6A527A-3F66-A3B2-8B55-B66910ADAA2B}"/>
+          </ac:picMkLst>
+        </pc:picChg>
+        <pc:picChg chg="add mod">
+          <ac:chgData name="Wilusz,Carol" userId="d694680c-20a6-4aaf-9f5d-eff87bc6dadd" providerId="ADAL" clId="{5B55E4B6-02A1-4419-AA33-2D70E40BA13A}" dt="2025-03-27T09:46:34.093" v="14" actId="1076"/>
+          <ac:picMkLst>
+            <pc:docMk/>
+            <pc:sldMk cId="1684002505" sldId="257"/>
+            <ac:picMk id="1030" creationId="{7279B0EB-FEAB-D252-98CE-93E74C7DA3A9}"/>
+          </ac:picMkLst>
+        </pc:picChg>
+        <pc:picChg chg="del">
+          <ac:chgData name="Wilusz,Carol" userId="d694680c-20a6-4aaf-9f5d-eff87bc6dadd" providerId="ADAL" clId="{5B55E4B6-02A1-4419-AA33-2D70E40BA13A}" dt="2025-03-27T09:47:04.775" v="21" actId="478"/>
+          <ac:picMkLst>
+            <pc:docMk/>
+            <pc:sldMk cId="1684002505" sldId="257"/>
+            <ac:picMk id="1032" creationId="{995526E9-EA19-FCF6-CDE5-C2060DD37812}"/>
+          </ac:picMkLst>
+        </pc:picChg>
+        <pc:picChg chg="add del">
+          <ac:chgData name="Wilusz,Carol" userId="d694680c-20a6-4aaf-9f5d-eff87bc6dadd" providerId="ADAL" clId="{5B55E4B6-02A1-4419-AA33-2D70E40BA13A}" dt="2025-03-27T09:49:06.380" v="69" actId="478"/>
+          <ac:picMkLst>
+            <pc:docMk/>
+            <pc:sldMk cId="1684002505" sldId="257"/>
+            <ac:picMk id="1034" creationId="{68EB285D-77D4-E205-32E1-399D6D71625A}"/>
+          </ac:picMkLst>
+        </pc:picChg>
+        <pc:picChg chg="add mod">
+          <ac:chgData name="Wilusz,Carol" userId="d694680c-20a6-4aaf-9f5d-eff87bc6dadd" providerId="ADAL" clId="{5B55E4B6-02A1-4419-AA33-2D70E40BA13A}" dt="2025-03-27T09:47:34.773" v="33" actId="1076"/>
+          <ac:picMkLst>
+            <pc:docMk/>
+            <pc:sldMk cId="1684002505" sldId="257"/>
+            <ac:picMk id="1036" creationId="{F38288B9-4020-1DDE-7513-31E3829BEA16}"/>
+          </ac:picMkLst>
+        </pc:picChg>
+        <pc:picChg chg="add mod">
+          <ac:chgData name="Wilusz,Carol" userId="d694680c-20a6-4aaf-9f5d-eff87bc6dadd" providerId="ADAL" clId="{5B55E4B6-02A1-4419-AA33-2D70E40BA13A}" dt="2025-03-27T09:49:03.381" v="62" actId="14100"/>
+          <ac:picMkLst>
+            <pc:docMk/>
+            <pc:sldMk cId="1684002505" sldId="257"/>
+            <ac:picMk id="1040" creationId="{23A71A64-F357-86CF-A124-D13C840C5284}"/>
+          </ac:picMkLst>
+        </pc:picChg>
+      </pc:sldChg>
+    </pc:docChg>
+  </pc:docChgLst>
+</pc:chgInfo>
 </file>
 
 <file path=ppt/slideLayouts/slideLayout1.xml><?xml version="1.0" encoding="utf-8"?>
@@ -239,7 +440,7 @@
           <a:p>
             <a:fld id="{A6A7E202-6477-4B43-81FB-B2C8579919B1}" type="datetimeFigureOut">
               <a:rPr lang="en-US" smtClean="0"/>
-              <a:t>3/21/2025</a:t>
+              <a:t>3/27/2025</a:t>
             </a:fld>
             <a:endParaRPr lang="en-US"/>
           </a:p>
@@ -409,7 +610,7 @@
           <a:p>
             <a:fld id="{A6A7E202-6477-4B43-81FB-B2C8579919B1}" type="datetimeFigureOut">
               <a:rPr lang="en-US" smtClean="0"/>
-              <a:t>3/21/2025</a:t>
+              <a:t>3/27/2025</a:t>
             </a:fld>
             <a:endParaRPr lang="en-US"/>
           </a:p>
@@ -589,7 +790,7 @@
           <a:p>
             <a:fld id="{A6A7E202-6477-4B43-81FB-B2C8579919B1}" type="datetimeFigureOut">
               <a:rPr lang="en-US" smtClean="0"/>
-              <a:t>3/21/2025</a:t>
+              <a:t>3/27/2025</a:t>
             </a:fld>
             <a:endParaRPr lang="en-US"/>
           </a:p>
@@ -759,7 +960,7 @@
           <a:p>
             <a:fld id="{A6A7E202-6477-4B43-81FB-B2C8579919B1}" type="datetimeFigureOut">
               <a:rPr lang="en-US" smtClean="0"/>
-              <a:t>3/21/2025</a:t>
+              <a:t>3/27/2025</a:t>
             </a:fld>
             <a:endParaRPr lang="en-US"/>
           </a:p>
@@ -1005,7 +1206,7 @@
           <a:p>
             <a:fld id="{A6A7E202-6477-4B43-81FB-B2C8579919B1}" type="datetimeFigureOut">
               <a:rPr lang="en-US" smtClean="0"/>
-              <a:t>3/21/2025</a:t>
+              <a:t>3/27/2025</a:t>
             </a:fld>
             <a:endParaRPr lang="en-US"/>
           </a:p>
@@ -1237,7 +1438,7 @@
           <a:p>
             <a:fld id="{A6A7E202-6477-4B43-81FB-B2C8579919B1}" type="datetimeFigureOut">
               <a:rPr lang="en-US" smtClean="0"/>
-              <a:t>3/21/2025</a:t>
+              <a:t>3/27/2025</a:t>
             </a:fld>
             <a:endParaRPr lang="en-US"/>
           </a:p>
@@ -1604,7 +1805,7 @@
           <a:p>
             <a:fld id="{A6A7E202-6477-4B43-81FB-B2C8579919B1}" type="datetimeFigureOut">
               <a:rPr lang="en-US" smtClean="0"/>
-              <a:t>3/21/2025</a:t>
+              <a:t>3/27/2025</a:t>
             </a:fld>
             <a:endParaRPr lang="en-US"/>
           </a:p>
@@ -1722,7 +1923,7 @@
           <a:p>
             <a:fld id="{A6A7E202-6477-4B43-81FB-B2C8579919B1}" type="datetimeFigureOut">
               <a:rPr lang="en-US" smtClean="0"/>
-              <a:t>3/21/2025</a:t>
+              <a:t>3/27/2025</a:t>
             </a:fld>
             <a:endParaRPr lang="en-US"/>
           </a:p>
@@ -1817,7 +2018,7 @@
           <a:p>
             <a:fld id="{A6A7E202-6477-4B43-81FB-B2C8579919B1}" type="datetimeFigureOut">
               <a:rPr lang="en-US" smtClean="0"/>
-              <a:t>3/21/2025</a:t>
+              <a:t>3/27/2025</a:t>
             </a:fld>
             <a:endParaRPr lang="en-US"/>
           </a:p>
@@ -2094,7 +2295,7 @@
           <a:p>
             <a:fld id="{A6A7E202-6477-4B43-81FB-B2C8579919B1}" type="datetimeFigureOut">
               <a:rPr lang="en-US" smtClean="0"/>
-              <a:t>3/21/2025</a:t>
+              <a:t>3/27/2025</a:t>
             </a:fld>
             <a:endParaRPr lang="en-US"/>
           </a:p>
@@ -2351,7 +2552,7 @@
           <a:p>
             <a:fld id="{A6A7E202-6477-4B43-81FB-B2C8579919B1}" type="datetimeFigureOut">
               <a:rPr lang="en-US" smtClean="0"/>
-              <a:t>3/21/2025</a:t>
+              <a:t>3/27/2025</a:t>
             </a:fld>
             <a:endParaRPr lang="en-US"/>
           </a:p>
@@ -2564,7 +2765,7 @@
           <a:p>
             <a:fld id="{A6A7E202-6477-4B43-81FB-B2C8579919B1}" type="datetimeFigureOut">
               <a:rPr lang="en-US" smtClean="0"/>
-              <a:t>3/21/2025</a:t>
+              <a:t>3/27/2025</a:t>
             </a:fld>
             <a:endParaRPr lang="en-US"/>
           </a:p>
@@ -5189,111 +5390,6 @@
       </p:pic>
       <p:pic>
         <p:nvPicPr>
-          <p:cNvPr id="9" name="Picture 8">
-            <a:extLst>
-              <a:ext uri="{FF2B5EF4-FFF2-40B4-BE49-F238E27FC236}">
-                <a16:creationId xmlns:a16="http://schemas.microsoft.com/office/drawing/2014/main" id="{338530BA-5DCA-ED8C-00F9-1AAB07444255}"/>
-              </a:ext>
-            </a:extLst>
-          </p:cNvPr>
-          <p:cNvPicPr>
-            <a:picLocks noChangeAspect="1"/>
-          </p:cNvPicPr>
-          <p:nvPr/>
-        </p:nvPicPr>
-        <p:blipFill>
-          <a:blip r:embed="rId3"/>
-          <a:stretch>
-            <a:fillRect/>
-          </a:stretch>
-        </p:blipFill>
-        <p:spPr>
-          <a:xfrm>
-            <a:off x="3950977" y="2140904"/>
-            <a:ext cx="1488854" cy="667583"/>
-          </a:xfrm>
-          <a:prstGeom prst="rect">
-            <a:avLst/>
-          </a:prstGeom>
-        </p:spPr>
-      </p:pic>
-      <p:pic>
-        <p:nvPicPr>
-          <p:cNvPr id="13" name="Picture 12">
-            <a:extLst>
-              <a:ext uri="{FF2B5EF4-FFF2-40B4-BE49-F238E27FC236}">
-                <a16:creationId xmlns:a16="http://schemas.microsoft.com/office/drawing/2014/main" id="{01BF7A81-D623-B3D7-738C-181643524789}"/>
-              </a:ext>
-            </a:extLst>
-          </p:cNvPr>
-          <p:cNvPicPr>
-            <a:picLocks noChangeAspect="1"/>
-          </p:cNvPicPr>
-          <p:nvPr/>
-        </p:nvPicPr>
-        <p:blipFill>
-          <a:blip r:embed="rId4"/>
-          <a:stretch>
-            <a:fillRect/>
-          </a:stretch>
-        </p:blipFill>
-        <p:spPr>
-          <a:xfrm>
-            <a:off x="3979946" y="1305086"/>
-            <a:ext cx="1488854" cy="712905"/>
-          </a:xfrm>
-          <a:prstGeom prst="rect">
-            <a:avLst/>
-          </a:prstGeom>
-        </p:spPr>
-      </p:pic>
-      <p:pic>
-        <p:nvPicPr>
-          <p:cNvPr id="1026" name="Picture 2">
-            <a:extLst>
-              <a:ext uri="{FF2B5EF4-FFF2-40B4-BE49-F238E27FC236}">
-                <a16:creationId xmlns:a16="http://schemas.microsoft.com/office/drawing/2014/main" id="{E50A152D-A16A-7395-A669-05AE634A09B1}"/>
-              </a:ext>
-            </a:extLst>
-          </p:cNvPr>
-          <p:cNvPicPr>
-            <a:picLocks noChangeAspect="1" noChangeArrowheads="1"/>
-          </p:cNvPicPr>
-          <p:nvPr/>
-        </p:nvPicPr>
-        <p:blipFill rotWithShape="1">
-          <a:blip r:embed="rId5">
-            <a:extLst>
-              <a:ext uri="{28A0092B-C50C-407E-A947-70E740481C1C}">
-                <a14:useLocalDpi xmlns:a14="http://schemas.microsoft.com/office/drawing/2010/main" val="0"/>
-              </a:ext>
-            </a:extLst>
-          </a:blip>
-          <a:srcRect b="33719"/>
-          <a:stretch/>
-        </p:blipFill>
-        <p:spPr bwMode="auto">
-          <a:xfrm>
-            <a:off x="3827856" y="5099498"/>
-            <a:ext cx="1626460" cy="770021"/>
-          </a:xfrm>
-          <a:prstGeom prst="rect">
-            <a:avLst/>
-          </a:prstGeom>
-          <a:noFill/>
-          <a:extLst>
-            <a:ext uri="{909E8E84-426E-40DD-AFC4-6F175D3DCCD1}">
-              <a14:hiddenFill xmlns:a14="http://schemas.microsoft.com/office/drawing/2010/main">
-                <a:solidFill>
-                  <a:srgbClr val="FFFFFF"/>
-                </a:solidFill>
-              </a14:hiddenFill>
-            </a:ext>
-          </a:extLst>
-        </p:spPr>
-      </p:pic>
-      <p:pic>
-        <p:nvPicPr>
           <p:cNvPr id="1028" name="Picture 4">
             <a:extLst>
               <a:ext uri="{FF2B5EF4-FFF2-40B4-BE49-F238E27FC236}">
@@ -5307,7 +5403,7 @@
           <p:nvPr/>
         </p:nvPicPr>
         <p:blipFill rotWithShape="1">
-          <a:blip r:embed="rId6">
+          <a:blip r:embed="rId3">
             <a:extLst>
               <a:ext uri="{28A0092B-C50C-407E-A947-70E740481C1C}">
                 <a14:useLocalDpi xmlns:a14="http://schemas.microsoft.com/office/drawing/2010/main" val="0"/>
@@ -5339,109 +5435,6 @@
       </p:pic>
       <p:pic>
         <p:nvPicPr>
-          <p:cNvPr id="15" name="Picture 14">
-            <a:extLst>
-              <a:ext uri="{FF2B5EF4-FFF2-40B4-BE49-F238E27FC236}">
-                <a16:creationId xmlns:a16="http://schemas.microsoft.com/office/drawing/2014/main" id="{3A285DA6-7843-AA42-29D5-BF54CB0223AD}"/>
-              </a:ext>
-            </a:extLst>
-          </p:cNvPr>
-          <p:cNvPicPr>
-            <a:picLocks noChangeAspect="1"/>
-          </p:cNvPicPr>
-          <p:nvPr/>
-        </p:nvPicPr>
-        <p:blipFill>
-          <a:blip r:embed="rId7"/>
-          <a:srcRect b="30297"/>
-          <a:stretch/>
-        </p:blipFill>
-        <p:spPr>
-          <a:xfrm>
-            <a:off x="3911961" y="2795400"/>
-            <a:ext cx="1595855" cy="794540"/>
-          </a:xfrm>
-          <a:prstGeom prst="rect">
-            <a:avLst/>
-          </a:prstGeom>
-        </p:spPr>
-      </p:pic>
-      <p:pic>
-        <p:nvPicPr>
-          <p:cNvPr id="17" name="Picture 16">
-            <a:extLst>
-              <a:ext uri="{FF2B5EF4-FFF2-40B4-BE49-F238E27FC236}">
-                <a16:creationId xmlns:a16="http://schemas.microsoft.com/office/drawing/2014/main" id="{E9635EC8-8DF8-E765-92D2-2FDC113D0A33}"/>
-              </a:ext>
-            </a:extLst>
-          </p:cNvPr>
-          <p:cNvPicPr>
-            <a:picLocks noChangeAspect="1"/>
-          </p:cNvPicPr>
-          <p:nvPr/>
-        </p:nvPicPr>
-        <p:blipFill>
-          <a:blip r:embed="rId8"/>
-          <a:srcRect b="31540"/>
-          <a:stretch/>
-        </p:blipFill>
-        <p:spPr>
-          <a:xfrm>
-            <a:off x="3911961" y="3607020"/>
-            <a:ext cx="1624824" cy="794540"/>
-          </a:xfrm>
-          <a:prstGeom prst="rect">
-            <a:avLst/>
-          </a:prstGeom>
-        </p:spPr>
-      </p:pic>
-      <p:pic>
-        <p:nvPicPr>
-          <p:cNvPr id="1032" name="Picture 8">
-            <a:extLst>
-              <a:ext uri="{FF2B5EF4-FFF2-40B4-BE49-F238E27FC236}">
-                <a16:creationId xmlns:a16="http://schemas.microsoft.com/office/drawing/2014/main" id="{995526E9-EA19-FCF6-CDE5-C2060DD37812}"/>
-              </a:ext>
-            </a:extLst>
-          </p:cNvPr>
-          <p:cNvPicPr>
-            <a:picLocks noChangeAspect="1" noChangeArrowheads="1"/>
-          </p:cNvPicPr>
-          <p:nvPr/>
-        </p:nvPicPr>
-        <p:blipFill rotWithShape="1">
-          <a:blip r:embed="rId9">
-            <a:extLst>
-              <a:ext uri="{28A0092B-C50C-407E-A947-70E740481C1C}">
-                <a14:useLocalDpi xmlns:a14="http://schemas.microsoft.com/office/drawing/2010/main" val="0"/>
-              </a:ext>
-            </a:extLst>
-          </a:blip>
-          <a:srcRect b="33653"/>
-          <a:stretch/>
-        </p:blipFill>
-        <p:spPr bwMode="auto">
-          <a:xfrm>
-            <a:off x="3882992" y="4343645"/>
-            <a:ext cx="1624824" cy="770022"/>
-          </a:xfrm>
-          <a:prstGeom prst="rect">
-            <a:avLst/>
-          </a:prstGeom>
-          <a:noFill/>
-          <a:extLst>
-            <a:ext uri="{909E8E84-426E-40DD-AFC4-6F175D3DCCD1}">
-              <a14:hiddenFill xmlns:a14="http://schemas.microsoft.com/office/drawing/2010/main">
-                <a:solidFill>
-                  <a:srgbClr val="FFFFFF"/>
-                </a:solidFill>
-              </a14:hiddenFill>
-            </a:ext>
-          </a:extLst>
-        </p:spPr>
-      </p:pic>
-      <p:pic>
-        <p:nvPicPr>
           <p:cNvPr id="1034" name="Picture 10">
             <a:extLst>
               <a:ext uri="{FF2B5EF4-FFF2-40B4-BE49-F238E27FC236}">
@@ -5455,7 +5448,7 @@
           <p:nvPr/>
         </p:nvPicPr>
         <p:blipFill rotWithShape="1">
-          <a:blip r:embed="rId10">
+          <a:blip r:embed="rId4">
             <a:extLst>
               <a:ext uri="{28A0092B-C50C-407E-A947-70E740481C1C}">
                 <a14:useLocalDpi xmlns:a14="http://schemas.microsoft.com/office/drawing/2010/main" val="0"/>
@@ -5500,7 +5493,7 @@
           <p:nvPr/>
         </p:nvPicPr>
         <p:blipFill>
-          <a:blip r:embed="rId11">
+          <a:blip r:embed="rId5">
             <a:extLst>
               <a:ext uri="{28A0092B-C50C-407E-A947-70E740481C1C}">
                 <a14:useLocalDpi xmlns:a14="http://schemas.microsoft.com/office/drawing/2010/main" val="0"/>
@@ -5547,7 +5540,7 @@
           <p:nvPr/>
         </p:nvPicPr>
         <p:blipFill rotWithShape="1">
-          <a:blip r:embed="rId9">
+          <a:blip r:embed="rId6">
             <a:extLst>
               <a:ext uri="{28A0092B-C50C-407E-A947-70E740481C1C}">
                 <a14:useLocalDpi xmlns:a14="http://schemas.microsoft.com/office/drawing/2010/main" val="0"/>
@@ -5561,6 +5554,288 @@
           <a:xfrm>
             <a:off x="3872678" y="7378316"/>
             <a:ext cx="1624824" cy="810683"/>
+          </a:xfrm>
+          <a:prstGeom prst="rect">
+            <a:avLst/>
+          </a:prstGeom>
+          <a:noFill/>
+          <a:extLst>
+            <a:ext uri="{909E8E84-426E-40DD-AFC4-6F175D3DCCD1}">
+              <a14:hiddenFill xmlns:a14="http://schemas.microsoft.com/office/drawing/2010/main">
+                <a:solidFill>
+                  <a:srgbClr val="FFFFFF"/>
+                </a:solidFill>
+              </a14:hiddenFill>
+            </a:ext>
+          </a:extLst>
+        </p:spPr>
+      </p:pic>
+      <p:pic>
+        <p:nvPicPr>
+          <p:cNvPr id="3" name="Picture 2">
+            <a:extLst>
+              <a:ext uri="{FF2B5EF4-FFF2-40B4-BE49-F238E27FC236}">
+                <a16:creationId xmlns:a16="http://schemas.microsoft.com/office/drawing/2014/main" id="{25A587F2-840F-421C-DA35-D1ED88D771E5}"/>
+              </a:ext>
+            </a:extLst>
+          </p:cNvPr>
+          <p:cNvPicPr>
+            <a:picLocks noChangeAspect="1" noChangeArrowheads="1"/>
+          </p:cNvPicPr>
+          <p:nvPr/>
+        </p:nvPicPr>
+        <p:blipFill>
+          <a:blip r:embed="rId5">
+            <a:extLst>
+              <a:ext uri="{28A0092B-C50C-407E-A947-70E740481C1C}">
+                <a14:useLocalDpi xmlns:a14="http://schemas.microsoft.com/office/drawing/2010/main" val="0"/>
+              </a:ext>
+            </a:extLst>
+          </a:blip>
+          <a:srcRect/>
+          <a:stretch>
+            <a:fillRect/>
+          </a:stretch>
+        </p:blipFill>
+        <p:spPr bwMode="auto">
+          <a:xfrm>
+            <a:off x="3950977" y="1221160"/>
+            <a:ext cx="1595855" cy="1139896"/>
+          </a:xfrm>
+          <a:prstGeom prst="rect">
+            <a:avLst/>
+          </a:prstGeom>
+          <a:noFill/>
+          <a:extLst>
+            <a:ext uri="{909E8E84-426E-40DD-AFC4-6F175D3DCCD1}">
+              <a14:hiddenFill xmlns:a14="http://schemas.microsoft.com/office/drawing/2010/main">
+                <a:solidFill>
+                  <a:srgbClr val="FFFFFF"/>
+                </a:solidFill>
+              </a14:hiddenFill>
+            </a:ext>
+          </a:extLst>
+        </p:spPr>
+      </p:pic>
+      <p:pic>
+        <p:nvPicPr>
+          <p:cNvPr id="6" name="Picture 4">
+            <a:extLst>
+              <a:ext uri="{FF2B5EF4-FFF2-40B4-BE49-F238E27FC236}">
+                <a16:creationId xmlns:a16="http://schemas.microsoft.com/office/drawing/2014/main" id="{05AD40EB-2670-E3EE-2725-905FC89354B8}"/>
+              </a:ext>
+            </a:extLst>
+          </p:cNvPr>
+          <p:cNvPicPr>
+            <a:picLocks noChangeAspect="1" noChangeArrowheads="1"/>
+          </p:cNvPicPr>
+          <p:nvPr/>
+        </p:nvPicPr>
+        <p:blipFill>
+          <a:blip r:embed="rId7">
+            <a:extLst>
+              <a:ext uri="{28A0092B-C50C-407E-A947-70E740481C1C}">
+                <a14:useLocalDpi xmlns:a14="http://schemas.microsoft.com/office/drawing/2010/main" val="0"/>
+              </a:ext>
+            </a:extLst>
+          </a:blip>
+          <a:srcRect/>
+          <a:stretch>
+            <a:fillRect/>
+          </a:stretch>
+        </p:blipFill>
+        <p:spPr bwMode="auto">
+          <a:xfrm>
+            <a:off x="3779963" y="2038550"/>
+            <a:ext cx="1888820" cy="1349157"/>
+          </a:xfrm>
+          <a:prstGeom prst="rect">
+            <a:avLst/>
+          </a:prstGeom>
+          <a:noFill/>
+          <a:extLst>
+            <a:ext uri="{909E8E84-426E-40DD-AFC4-6F175D3DCCD1}">
+              <a14:hiddenFill xmlns:a14="http://schemas.microsoft.com/office/drawing/2010/main">
+                <a:solidFill>
+                  <a:srgbClr val="FFFFFF"/>
+                </a:solidFill>
+              </a14:hiddenFill>
+            </a:ext>
+          </a:extLst>
+        </p:spPr>
+      </p:pic>
+      <p:pic>
+        <p:nvPicPr>
+          <p:cNvPr id="1030" name="Picture 6">
+            <a:extLst>
+              <a:ext uri="{FF2B5EF4-FFF2-40B4-BE49-F238E27FC236}">
+                <a16:creationId xmlns:a16="http://schemas.microsoft.com/office/drawing/2014/main" id="{7279B0EB-FEAB-D252-98CE-93E74C7DA3A9}"/>
+              </a:ext>
+            </a:extLst>
+          </p:cNvPr>
+          <p:cNvPicPr>
+            <a:picLocks noChangeAspect="1" noChangeArrowheads="1"/>
+          </p:cNvPicPr>
+          <p:nvPr/>
+        </p:nvPicPr>
+        <p:blipFill>
+          <a:blip r:embed="rId5">
+            <a:extLst>
+              <a:ext uri="{28A0092B-C50C-407E-A947-70E740481C1C}">
+                <a14:useLocalDpi xmlns:a14="http://schemas.microsoft.com/office/drawing/2010/main" val="0"/>
+              </a:ext>
+            </a:extLst>
+          </a:blip>
+          <a:srcRect/>
+          <a:stretch>
+            <a:fillRect/>
+          </a:stretch>
+        </p:blipFill>
+        <p:spPr bwMode="auto">
+          <a:xfrm>
+            <a:off x="3958856" y="2884620"/>
+            <a:ext cx="1595855" cy="1139896"/>
+          </a:xfrm>
+          <a:prstGeom prst="rect">
+            <a:avLst/>
+          </a:prstGeom>
+          <a:noFill/>
+          <a:extLst>
+            <a:ext uri="{909E8E84-426E-40DD-AFC4-6F175D3DCCD1}">
+              <a14:hiddenFill xmlns:a14="http://schemas.microsoft.com/office/drawing/2010/main">
+                <a:solidFill>
+                  <a:srgbClr val="FFFFFF"/>
+                </a:solidFill>
+              </a14:hiddenFill>
+            </a:ext>
+          </a:extLst>
+        </p:spPr>
+      </p:pic>
+      <p:pic>
+        <p:nvPicPr>
+          <p:cNvPr id="7" name="Picture 8">
+            <a:extLst>
+              <a:ext uri="{FF2B5EF4-FFF2-40B4-BE49-F238E27FC236}">
+                <a16:creationId xmlns:a16="http://schemas.microsoft.com/office/drawing/2014/main" id="{73CEA536-24DA-8021-2E1A-688DC3DF84A8}"/>
+              </a:ext>
+            </a:extLst>
+          </p:cNvPr>
+          <p:cNvPicPr>
+            <a:picLocks noChangeAspect="1" noChangeArrowheads="1"/>
+          </p:cNvPicPr>
+          <p:nvPr/>
+        </p:nvPicPr>
+        <p:blipFill>
+          <a:blip r:embed="rId8">
+            <a:extLst>
+              <a:ext uri="{28A0092B-C50C-407E-A947-70E740481C1C}">
+                <a14:useLocalDpi xmlns:a14="http://schemas.microsoft.com/office/drawing/2010/main" val="0"/>
+              </a:ext>
+            </a:extLst>
+          </a:blip>
+          <a:srcRect/>
+          <a:stretch>
+            <a:fillRect/>
+          </a:stretch>
+        </p:blipFill>
+        <p:spPr bwMode="auto">
+          <a:xfrm>
+            <a:off x="3882992" y="3631713"/>
+            <a:ext cx="1685778" cy="1204127"/>
+          </a:xfrm>
+          <a:prstGeom prst="rect">
+            <a:avLst/>
+          </a:prstGeom>
+          <a:noFill/>
+          <a:extLst>
+            <a:ext uri="{909E8E84-426E-40DD-AFC4-6F175D3DCCD1}">
+              <a14:hiddenFill xmlns:a14="http://schemas.microsoft.com/office/drawing/2010/main">
+                <a:solidFill>
+                  <a:srgbClr val="FFFFFF"/>
+                </a:solidFill>
+              </a14:hiddenFill>
+            </a:ext>
+          </a:extLst>
+        </p:spPr>
+      </p:pic>
+      <p:pic>
+        <p:nvPicPr>
+          <p:cNvPr id="8" name="Picture 10">
+            <a:extLst>
+              <a:ext uri="{FF2B5EF4-FFF2-40B4-BE49-F238E27FC236}">
+                <a16:creationId xmlns:a16="http://schemas.microsoft.com/office/drawing/2014/main" id="{8F152FF4-D891-95F9-274E-E97ED9938135}"/>
+              </a:ext>
+            </a:extLst>
+          </p:cNvPr>
+          <p:cNvPicPr>
+            <a:picLocks noChangeAspect="1" noChangeArrowheads="1"/>
+          </p:cNvPicPr>
+          <p:nvPr/>
+        </p:nvPicPr>
+        <p:blipFill>
+          <a:blip r:embed="rId9">
+            <a:extLst>
+              <a:ext uri="{28A0092B-C50C-407E-A947-70E740481C1C}">
+                <a14:useLocalDpi xmlns:a14="http://schemas.microsoft.com/office/drawing/2010/main" val="0"/>
+              </a:ext>
+            </a:extLst>
+          </a:blip>
+          <a:srcRect/>
+          <a:stretch>
+            <a:fillRect/>
+          </a:stretch>
+        </p:blipFill>
+        <p:spPr bwMode="auto">
+          <a:xfrm>
+            <a:off x="3944139" y="4384527"/>
+            <a:ext cx="1685778" cy="1204127"/>
+          </a:xfrm>
+          <a:prstGeom prst="rect">
+            <a:avLst/>
+          </a:prstGeom>
+          <a:noFill/>
+          <a:extLst>
+            <a:ext uri="{909E8E84-426E-40DD-AFC4-6F175D3DCCD1}">
+              <a14:hiddenFill xmlns:a14="http://schemas.microsoft.com/office/drawing/2010/main">
+                <a:solidFill>
+                  <a:srgbClr val="FFFFFF"/>
+                </a:solidFill>
+              </a14:hiddenFill>
+            </a:ext>
+          </a:extLst>
+        </p:spPr>
+      </p:pic>
+      <p:pic>
+        <p:nvPicPr>
+          <p:cNvPr id="1036" name="Picture 12">
+            <a:extLst>
+              <a:ext uri="{FF2B5EF4-FFF2-40B4-BE49-F238E27FC236}">
+                <a16:creationId xmlns:a16="http://schemas.microsoft.com/office/drawing/2014/main" id="{F38288B9-4020-1DDE-7513-31E3829BEA16}"/>
+              </a:ext>
+            </a:extLst>
+          </p:cNvPr>
+          <p:cNvPicPr>
+            <a:picLocks noChangeAspect="1" noChangeArrowheads="1"/>
+          </p:cNvPicPr>
+          <p:nvPr/>
+        </p:nvPicPr>
+        <p:blipFill>
+          <a:blip r:embed="rId7">
+            <a:extLst>
+              <a:ext uri="{28A0092B-C50C-407E-A947-70E740481C1C}">
+                <a14:useLocalDpi xmlns:a14="http://schemas.microsoft.com/office/drawing/2010/main" val="0"/>
+              </a:ext>
+            </a:extLst>
+          </a:blip>
+          <a:srcRect/>
+          <a:stretch>
+            <a:fillRect/>
+          </a:stretch>
+        </p:blipFill>
+        <p:spPr bwMode="auto">
+          <a:xfrm>
+            <a:off x="3950977" y="5167862"/>
+            <a:ext cx="1685778" cy="1204127"/>
           </a:xfrm>
           <a:prstGeom prst="rect">
             <a:avLst/>
